--- a/객체UML/11_객체UML(시퀀스).pptx
+++ b/객체UML/11_객체UML(시퀀스).pptx
@@ -221,7 +221,7 @@
           <a:p>
             <a:fld id="{4F4BDD88-E5D9-4E70-A448-3556BB33AA72}" type="datetimeFigureOut">
               <a:rPr lang="ko-KR" altLang="en-US" smtClean="0"/>
-              <a:t>2019-09-23</a:t>
+              <a:t>2019-09-24</a:t>
             </a:fld>
             <a:endParaRPr lang="ko-KR" altLang="en-US"/>
           </a:p>
@@ -620,7 +620,7 @@
           <a:p>
             <a:fld id="{443EFB69-F0EC-4822-AE63-00EAEBE003EB}" type="datetime1">
               <a:rPr lang="ko-KR" altLang="en-US" smtClean="0"/>
-              <a:t>2019-09-23</a:t>
+              <a:t>2019-09-24</a:t>
             </a:fld>
             <a:endParaRPr lang="ko-KR" altLang="en-US"/>
           </a:p>
@@ -883,7 +883,7 @@
           <a:p>
             <a:fld id="{CE59A610-291F-4FCD-B6D1-E1AEA4C57316}" type="datetime1">
               <a:rPr lang="ko-KR" altLang="en-US" smtClean="0"/>
-              <a:t>2019-09-23</a:t>
+              <a:t>2019-09-24</a:t>
             </a:fld>
             <a:endParaRPr lang="ko-KR" altLang="en-US"/>
           </a:p>
@@ -1068,7 +1068,7 @@
           <a:p>
             <a:fld id="{89B384C2-21DC-451A-85E7-10117E4DEC2C}" type="datetime1">
               <a:rPr lang="ko-KR" altLang="en-US" smtClean="0"/>
-              <a:t>2019-09-23</a:t>
+              <a:t>2019-09-24</a:t>
             </a:fld>
             <a:endParaRPr lang="ko-KR" altLang="en-US"/>
           </a:p>
@@ -1407,7 +1407,7 @@
           <a:p>
             <a:fld id="{D65EF312-86D8-4FC5-AD84-AFC561126411}" type="datetime1">
               <a:rPr lang="ko-KR" altLang="en-US" smtClean="0"/>
-              <a:t>2019-09-23</a:t>
+              <a:t>2019-09-24</a:t>
             </a:fld>
             <a:endParaRPr lang="ko-KR" altLang="en-US"/>
           </a:p>
@@ -1628,7 +1628,7 @@
           <a:p>
             <a:fld id="{6B7AF35F-C316-4D44-BCE1-B5D76FAA6FA6}" type="datetime1">
               <a:rPr lang="ko-KR" altLang="en-US" smtClean="0"/>
-              <a:t>2019-09-23</a:t>
+              <a:t>2019-09-24</a:t>
             </a:fld>
             <a:endParaRPr lang="ko-KR" altLang="en-US"/>
           </a:p>
@@ -1867,7 +1867,7 @@
           <a:p>
             <a:fld id="{A0DCB827-A3CE-435B-A78F-1B24C298D468}" type="datetime1">
               <a:rPr lang="ko-KR" altLang="en-US" smtClean="0"/>
-              <a:t>2019-09-23</a:t>
+              <a:t>2019-09-24</a:t>
             </a:fld>
             <a:endParaRPr lang="ko-KR" altLang="en-US"/>
           </a:p>
@@ -1969,7 +1969,7 @@
           <a:p>
             <a:fld id="{9B04BE9A-83D6-4A93-9424-19DD5CD63289}" type="datetime1">
               <a:rPr lang="ko-KR" altLang="en-US" smtClean="0"/>
-              <a:t>2019-09-23</a:t>
+              <a:t>2019-09-24</a:t>
             </a:fld>
             <a:endParaRPr lang="ko-KR" altLang="en-US"/>
           </a:p>
@@ -2253,7 +2253,7 @@
           <a:p>
             <a:fld id="{88474E88-0905-4806-88EC-3D6908030BD7}" type="datetime1">
               <a:rPr lang="ko-KR" altLang="en-US" smtClean="0"/>
-              <a:t>2019-09-23</a:t>
+              <a:t>2019-09-24</a:t>
             </a:fld>
             <a:endParaRPr lang="ko-KR" altLang="en-US"/>
           </a:p>
@@ -2513,7 +2513,7 @@
           <a:p>
             <a:fld id="{B4BDB3A4-79A6-4700-AF39-4ADF589BD2FC}" type="datetime1">
               <a:rPr lang="ko-KR" altLang="en-US" smtClean="0"/>
-              <a:t>2019-09-23</a:t>
+              <a:t>2019-09-24</a:t>
             </a:fld>
             <a:endParaRPr lang="ko-KR" altLang="en-US"/>
           </a:p>
@@ -2690,7 +2690,7 @@
           <a:p>
             <a:fld id="{2FF580AF-4AF3-4251-B2D1-BA9096D22850}" type="datetime1">
               <a:rPr lang="ko-KR" altLang="en-US" smtClean="0"/>
-              <a:t>2019-09-23</a:t>
+              <a:t>2019-09-24</a:t>
             </a:fld>
             <a:endParaRPr lang="ko-KR" altLang="en-US"/>
           </a:p>
@@ -2910,7 +2910,7 @@
           <a:p>
             <a:fld id="{3427A348-7E7B-460C-8F18-76B7CB69ACC0}" type="datetime1">
               <a:rPr lang="ko-KR" altLang="en-US" smtClean="0"/>
-              <a:t>2019-09-23</a:t>
+              <a:t>2019-09-24</a:t>
             </a:fld>
             <a:endParaRPr lang="ko-KR" altLang="en-US"/>
           </a:p>
@@ -3502,21 +3502,21 @@
                 <a:gridCol w="761117">
                   <a:extLst>
                     <a:ext uri="{9D8B030D-6E8A-4147-A177-3AD203B41FA5}">
-                      <a16:colId xmlns:a16="http://schemas.microsoft.com/office/drawing/2014/main" xmlns="" val="20000"/>
+                      <a16:colId xmlns="" xmlns:a16="http://schemas.microsoft.com/office/drawing/2014/main" val="20000"/>
                     </a:ext>
                   </a:extLst>
                 </a:gridCol>
                 <a:gridCol w="2672876">
                   <a:extLst>
                     <a:ext uri="{9D8B030D-6E8A-4147-A177-3AD203B41FA5}">
-                      <a16:colId xmlns:a16="http://schemas.microsoft.com/office/drawing/2014/main" xmlns="" val="20001"/>
+                      <a16:colId xmlns="" xmlns:a16="http://schemas.microsoft.com/office/drawing/2014/main" val="20001"/>
                     </a:ext>
                   </a:extLst>
                 </a:gridCol>
                 <a:gridCol w="4452707">
                   <a:extLst>
                     <a:ext uri="{9D8B030D-6E8A-4147-A177-3AD203B41FA5}">
-                      <a16:colId xmlns:a16="http://schemas.microsoft.com/office/drawing/2014/main" xmlns="" val="20002"/>
+                      <a16:colId xmlns="" xmlns:a16="http://schemas.microsoft.com/office/drawing/2014/main" val="20002"/>
                     </a:ext>
                   </a:extLst>
                 </a:gridCol>
@@ -3731,7 +3731,7 @@
                 </a:tc>
                 <a:extLst>
                   <a:ext uri="{0D108BD9-81ED-4DB2-BD59-A6C34878D82A}">
-                    <a16:rowId xmlns:a16="http://schemas.microsoft.com/office/drawing/2014/main" xmlns="" val="10000"/>
+                    <a16:rowId xmlns="" xmlns:a16="http://schemas.microsoft.com/office/drawing/2014/main" val="10000"/>
                   </a:ext>
                 </a:extLst>
               </a:tr>
@@ -3970,7 +3970,7 @@
                 </a:tc>
                 <a:extLst>
                   <a:ext uri="{0D108BD9-81ED-4DB2-BD59-A6C34878D82A}">
-                    <a16:rowId xmlns:a16="http://schemas.microsoft.com/office/drawing/2014/main" xmlns="" val="10001"/>
+                    <a16:rowId xmlns="" xmlns:a16="http://schemas.microsoft.com/office/drawing/2014/main" val="10001"/>
                   </a:ext>
                 </a:extLst>
               </a:tr>
@@ -4231,7 +4231,7 @@
                 </a:tc>
                 <a:extLst>
                   <a:ext uri="{0D108BD9-81ED-4DB2-BD59-A6C34878D82A}">
-                    <a16:rowId xmlns:a16="http://schemas.microsoft.com/office/drawing/2014/main" xmlns="" val="10002"/>
+                    <a16:rowId xmlns="" xmlns:a16="http://schemas.microsoft.com/office/drawing/2014/main" val="10002"/>
                   </a:ext>
                 </a:extLst>
               </a:tr>
@@ -4514,7 +4514,7 @@
                 </a:tc>
                 <a:extLst>
                   <a:ext uri="{0D108BD9-81ED-4DB2-BD59-A6C34878D82A}">
-                    <a16:rowId xmlns:a16="http://schemas.microsoft.com/office/drawing/2014/main" xmlns="" val="10003"/>
+                    <a16:rowId xmlns="" xmlns:a16="http://schemas.microsoft.com/office/drawing/2014/main" val="10003"/>
                   </a:ext>
                 </a:extLst>
               </a:tr>
@@ -5366,22 +5366,64 @@
         </p:nvSpPr>
         <p:spPr/>
         <p:txBody>
-          <a:bodyPr/>
+          <a:bodyPr>
+            <a:normAutofit fontScale="90000"/>
+          </a:bodyPr>
           <a:lstStyle/>
           <a:p>
             <a:r>
-              <a:rPr lang="ko-KR" altLang="en-US" dirty="0" smtClean="0"/>
+              <a:rPr lang="ko-KR" altLang="en-US" dirty="0" smtClean="0">
+                <a:solidFill>
+                  <a:srgbClr val="FF0000"/>
+                </a:solidFill>
+              </a:rPr>
               <a:t>시퀀스</a:t>
             </a:r>
             <a:r>
-              <a:rPr lang="en-US" altLang="ko-KR" dirty="0" smtClean="0"/>
+              <a:rPr lang="en-US" altLang="ko-KR" dirty="0" smtClean="0">
+                <a:solidFill>
+                  <a:srgbClr val="FF0000"/>
+                </a:solidFill>
+              </a:rPr>
               <a:t> </a:t>
             </a:r>
             <a:r>
-              <a:rPr lang="ko-KR" altLang="en-US" dirty="0" smtClean="0"/>
-              <a:t>다이어그램</a:t>
-            </a:r>
-            <a:endParaRPr lang="ko-KR" altLang="en-US" dirty="0"/>
+              <a:rPr lang="ko-KR" altLang="en-US" dirty="0" smtClean="0">
+                <a:solidFill>
+                  <a:srgbClr val="FF0000"/>
+                </a:solidFill>
+              </a:rPr>
+              <a:t>다이어그램 </a:t>
+            </a:r>
+            <a:r>
+              <a:rPr lang="en-US" altLang="ko-KR" dirty="0" smtClean="0">
+                <a:solidFill>
+                  <a:srgbClr val="FF0000"/>
+                </a:solidFill>
+              </a:rPr>
+              <a:t>(</a:t>
+            </a:r>
+            <a:r>
+              <a:rPr lang="ko-KR" altLang="en-US" dirty="0" smtClean="0">
+                <a:solidFill>
+                  <a:srgbClr val="FF0000"/>
+                </a:solidFill>
+              </a:rPr>
+              <a:t>가장 많이 사용하는 다이어그램</a:t>
+            </a:r>
+            <a:r>
+              <a:rPr lang="en-US" altLang="ko-KR" dirty="0" smtClean="0">
+                <a:solidFill>
+                  <a:srgbClr val="FF0000"/>
+                </a:solidFill>
+              </a:rPr>
+              <a:t>)</a:t>
+            </a:r>
+            <a:endParaRPr lang="ko-KR" altLang="en-US" dirty="0">
+              <a:solidFill>
+                <a:srgbClr val="FF0000"/>
+              </a:solidFill>
+            </a:endParaRPr>
           </a:p>
         </p:txBody>
       </p:sp>
@@ -5416,35 +5458,66 @@
           </a:p>
           <a:p>
             <a:pPr lvl="1"/>
+            <a:r>
+              <a:rPr lang="ko-KR" altLang="en-US" dirty="0">
+                <a:solidFill>
+                  <a:schemeClr val="accent6">
+                    <a:lumMod val="75000"/>
+                  </a:schemeClr>
+                </a:solidFill>
+              </a:rPr>
+              <a:t>객체들이 다른 객체들과 어떻게 교류하는 지를 보여줄 수 있는 다이어그램</a:t>
+            </a:r>
+          </a:p>
+          <a:p>
+            <a:pPr lvl="1"/>
             <a:endParaRPr lang="en-US" altLang="ko-KR" dirty="0" smtClean="0"/>
           </a:p>
           <a:p>
             <a:r>
-              <a:rPr lang="ko-KR" altLang="en-US" dirty="0" smtClean="0"/>
-              <a:t>객체들이 </a:t>
-            </a:r>
-            <a:r>
-              <a:rPr lang="ko-KR" altLang="en-US" dirty="0"/>
-              <a:t>다른 객체들과 어떻게 교류하는 지를 보여줄 수 있는 다이어그램</a:t>
-            </a:r>
-          </a:p>
-          <a:p>
-            <a:r>
-              <a:rPr lang="ko-KR" altLang="en-US" dirty="0" smtClean="0"/>
+              <a:rPr lang="ko-KR" altLang="en-US" dirty="0" smtClean="0">
+                <a:solidFill>
+                  <a:srgbClr val="FF0000"/>
+                </a:solidFill>
+              </a:rPr>
               <a:t>시간의 </a:t>
             </a:r>
             <a:r>
-              <a:rPr lang="ko-KR" altLang="en-US" dirty="0"/>
-              <a:t>흐름에 따른 객체들간의 상호작용을 표현</a:t>
+              <a:rPr lang="ko-KR" altLang="en-US" dirty="0">
+                <a:solidFill>
+                  <a:srgbClr val="FF0000"/>
+                </a:solidFill>
+              </a:rPr>
+              <a:t>흐름에 </a:t>
+            </a:r>
+            <a:r>
+              <a:rPr lang="ko-KR" altLang="en-US" dirty="0" smtClean="0">
+                <a:solidFill>
+                  <a:srgbClr val="FF0000"/>
+                </a:solidFill>
+              </a:rPr>
+              <a:t>따른 객체들간의 상호작용을 표현</a:t>
             </a:r>
           </a:p>
           <a:p>
             <a:pPr lvl="1"/>
             <a:r>
-              <a:rPr lang="ko-KR" altLang="en-US" dirty="0" smtClean="0"/>
+              <a:rPr lang="ko-KR" altLang="en-US" dirty="0" smtClean="0">
+                <a:solidFill>
+                  <a:schemeClr val="accent2">
+                    <a:lumMod val="75000"/>
+                  </a:schemeClr>
+                </a:solidFill>
+              </a:rPr>
               <a:t>객체간 동적 상호작용을 시간적 개념을 중심으로 모델링</a:t>
             </a:r>
-            <a:endParaRPr lang="en-US" altLang="ko-KR" dirty="0" smtClean="0"/>
+            <a:endParaRPr lang="en-US" altLang="ko-KR" dirty="0" smtClean="0">
+              <a:solidFill>
+                <a:schemeClr val="accent2">
+                  <a:lumMod val="75000"/>
+                </a:schemeClr>
+              </a:solidFill>
+            </a:endParaRPr>
           </a:p>
           <a:p>
             <a:endParaRPr lang="en-US" altLang="ko-KR" dirty="0" smtClean="0"/>
@@ -5459,18 +5532,42 @@
           <a:p>
             <a:pPr lvl="1"/>
             <a:r>
-              <a:rPr lang="ko-KR" altLang="en-US" dirty="0" smtClean="0"/>
+              <a:rPr lang="ko-KR" altLang="en-US" dirty="0" smtClean="0">
+                <a:solidFill>
+                  <a:schemeClr val="accent5">
+                    <a:lumMod val="75000"/>
+                  </a:schemeClr>
+                </a:solidFill>
+              </a:rPr>
               <a:t>객체간 상호작용을 하는 과정에서 객체가 </a:t>
             </a:r>
             <a:r>
-              <a:rPr lang="ko-KR" altLang="en-US" dirty="0" err="1" smtClean="0"/>
-              <a:t>가져야하는</a:t>
-            </a:r>
-            <a:r>
-              <a:rPr lang="ko-KR" altLang="en-US" dirty="0" smtClean="0"/>
-              <a:t> 오퍼레이션과 속성을 구체적으로 정의</a:t>
-            </a:r>
-            <a:endParaRPr lang="en-US" altLang="ko-KR" dirty="0" smtClean="0"/>
+              <a:rPr lang="ko-KR" altLang="en-US" dirty="0" smtClean="0">
+                <a:solidFill>
+                  <a:schemeClr val="accent5">
+                    <a:lumMod val="75000"/>
+                  </a:schemeClr>
+                </a:solidFill>
+              </a:rPr>
+              <a:t>가져야 하는 </a:t>
+            </a:r>
+            <a:r>
+              <a:rPr lang="ko-KR" altLang="en-US" dirty="0" smtClean="0">
+                <a:solidFill>
+                  <a:schemeClr val="accent5">
+                    <a:lumMod val="75000"/>
+                  </a:schemeClr>
+                </a:solidFill>
+              </a:rPr>
+              <a:t>오퍼레이션과 속성을 구체적으로 정의</a:t>
+            </a:r>
+            <a:endParaRPr lang="en-US" altLang="ko-KR" dirty="0" smtClean="0">
+              <a:solidFill>
+                <a:schemeClr val="accent5">
+                  <a:lumMod val="75000"/>
+                </a:schemeClr>
+              </a:solidFill>
+            </a:endParaRPr>
           </a:p>
           <a:p>
             <a:pPr lvl="1"/>
@@ -5645,12 +5742,12 @@
               <a:t>다이어그램에서는 시스템이 </a:t>
             </a:r>
             <a:r>
-              <a:rPr lang="ko-KR" altLang="en-US" dirty="0" err="1"/>
-              <a:t>제공해야하는</a:t>
+              <a:rPr lang="ko-KR" altLang="en-US" dirty="0" smtClean="0"/>
+              <a:t>제공해야 하는 </a:t>
             </a:r>
             <a:r>
               <a:rPr lang="ko-KR" altLang="en-US" dirty="0"/>
-              <a:t> 서비스 정의하기 </a:t>
+              <a:t>서비스 정의하기 </a:t>
             </a:r>
             <a:r>
               <a:rPr lang="ko-KR" altLang="en-US" dirty="0" smtClean="0"/>
@@ -5678,11 +5775,15 @@
             </a:r>
             <a:r>
               <a:rPr lang="ko-KR" altLang="en-US" dirty="0" err="1" smtClean="0"/>
-              <a:t>유스케이스별로</a:t>
+              <a:t>유스케이스</a:t>
             </a:r>
             <a:r>
               <a:rPr lang="ko-KR" altLang="en-US" dirty="0" smtClean="0"/>
-              <a:t> 작성 가능</a:t>
+              <a:t> 별로 </a:t>
+            </a:r>
+            <a:r>
+              <a:rPr lang="ko-KR" altLang="en-US" dirty="0" smtClean="0"/>
+              <a:t>작성 가능</a:t>
             </a:r>
             <a:endParaRPr lang="en-US" altLang="ko-KR" dirty="0" smtClean="0"/>
           </a:p>
@@ -5715,6 +5816,26 @@
             <a:endParaRPr lang="en-US" altLang="ko-KR" dirty="0" smtClean="0"/>
           </a:p>
           <a:p>
+            <a:r>
+              <a:rPr lang="ko-KR" altLang="en-US" dirty="0" err="1" smtClean="0"/>
+              <a:t>유스</a:t>
+            </a:r>
+            <a:r>
+              <a:rPr lang="ko-KR" altLang="en-US" dirty="0" err="1" smtClean="0"/>
+              <a:t>케이스</a:t>
+            </a:r>
+            <a:r>
+              <a:rPr lang="ko-KR" altLang="en-US" dirty="0" smtClean="0"/>
+              <a:t> 다이어그램으로 그려진 것은 시퀀스 다이어그램으로 </a:t>
+            </a:r>
+            <a:r>
+              <a:rPr lang="ko-KR" altLang="en-US" smtClean="0"/>
+              <a:t>그릴 수 있다</a:t>
+            </a:r>
+            <a:r>
+              <a:rPr lang="en-US" altLang="ko-KR" dirty="0" smtClean="0"/>
+              <a:t>.</a:t>
+            </a:r>
             <a:endParaRPr lang="en-US" altLang="ko-KR" dirty="0"/>
           </a:p>
           <a:p>
@@ -5766,6 +5887,12 @@
           </a:p>
           <a:p>
             <a:pPr lvl="1"/>
+            <a:endParaRPr lang="en-US" altLang="ko-KR" dirty="0" smtClean="0"/>
+          </a:p>
+          <a:p>
+            <a:pPr marL="342900" lvl="1" indent="0">
+              <a:buNone/>
+            </a:pPr>
             <a:endParaRPr lang="en-US" altLang="ko-KR" dirty="0" smtClean="0"/>
           </a:p>
         </p:txBody>
@@ -5850,7 +5977,6 @@
               <a:rPr lang="ko-KR" altLang="en-US" dirty="0"/>
               <a:t>다이어그램</a:t>
             </a:r>
-            <a:endParaRPr lang="ko-KR" altLang="en-US" dirty="0"/>
           </a:p>
         </p:txBody>
       </p:sp>
@@ -5994,7 +6120,6 @@
               <a:rPr lang="ko-KR" altLang="en-US" dirty="0"/>
               <a:t>다이어그램</a:t>
             </a:r>
-            <a:endParaRPr lang="ko-KR" altLang="en-US" dirty="0"/>
           </a:p>
         </p:txBody>
       </p:sp>
@@ -6219,21 +6344,21 @@
                 <a:gridCol w="742950">
                   <a:extLst>
                     <a:ext uri="{9D8B030D-6E8A-4147-A177-3AD203B41FA5}">
-                      <a16:colId xmlns:a16="http://schemas.microsoft.com/office/drawing/2014/main" xmlns="" val="20000"/>
+                      <a16:colId xmlns="" xmlns:a16="http://schemas.microsoft.com/office/drawing/2014/main" val="20000"/>
                     </a:ext>
                   </a:extLst>
                 </a:gridCol>
                 <a:gridCol w="1488831">
                   <a:extLst>
                     <a:ext uri="{9D8B030D-6E8A-4147-A177-3AD203B41FA5}">
-                      <a16:colId xmlns:a16="http://schemas.microsoft.com/office/drawing/2014/main" xmlns="" val="20001"/>
+                      <a16:colId xmlns="" xmlns:a16="http://schemas.microsoft.com/office/drawing/2014/main" val="20001"/>
                     </a:ext>
                   </a:extLst>
                 </a:gridCol>
                 <a:gridCol w="5654919">
                   <a:extLst>
                     <a:ext uri="{9D8B030D-6E8A-4147-A177-3AD203B41FA5}">
-                      <a16:colId xmlns:a16="http://schemas.microsoft.com/office/drawing/2014/main" xmlns="" val="20002"/>
+                      <a16:colId xmlns="" xmlns:a16="http://schemas.microsoft.com/office/drawing/2014/main" val="20002"/>
                     </a:ext>
                   </a:extLst>
                 </a:gridCol>
@@ -6448,7 +6573,7 @@
                 </a:tc>
                 <a:extLst>
                   <a:ext uri="{0D108BD9-81ED-4DB2-BD59-A6C34878D82A}">
-                    <a16:rowId xmlns:a16="http://schemas.microsoft.com/office/drawing/2014/main" xmlns="" val="10000"/>
+                    <a16:rowId xmlns="" xmlns:a16="http://schemas.microsoft.com/office/drawing/2014/main" val="10000"/>
                   </a:ext>
                 </a:extLst>
               </a:tr>
@@ -6701,7 +6826,7 @@
                 </a:tc>
                 <a:extLst>
                   <a:ext uri="{0D108BD9-81ED-4DB2-BD59-A6C34878D82A}">
-                    <a16:rowId xmlns:a16="http://schemas.microsoft.com/office/drawing/2014/main" xmlns="" val="10001"/>
+                    <a16:rowId xmlns="" xmlns:a16="http://schemas.microsoft.com/office/drawing/2014/main" val="10001"/>
                   </a:ext>
                 </a:extLst>
               </a:tr>
@@ -6985,7 +7110,7 @@
                 </a:tc>
                 <a:extLst>
                   <a:ext uri="{0D108BD9-81ED-4DB2-BD59-A6C34878D82A}">
-                    <a16:rowId xmlns:a16="http://schemas.microsoft.com/office/drawing/2014/main" xmlns="" val="10002"/>
+                    <a16:rowId xmlns="" xmlns:a16="http://schemas.microsoft.com/office/drawing/2014/main" val="10002"/>
                   </a:ext>
                 </a:extLst>
               </a:tr>
@@ -7238,7 +7363,7 @@
                 </a:tc>
                 <a:extLst>
                   <a:ext uri="{0D108BD9-81ED-4DB2-BD59-A6C34878D82A}">
-                    <a16:rowId xmlns:a16="http://schemas.microsoft.com/office/drawing/2014/main" xmlns="" val="10003"/>
+                    <a16:rowId xmlns="" xmlns:a16="http://schemas.microsoft.com/office/drawing/2014/main" val="10003"/>
                   </a:ext>
                 </a:extLst>
               </a:tr>
@@ -7557,7 +7682,7 @@
                 </a:tc>
                 <a:extLst>
                   <a:ext uri="{0D108BD9-81ED-4DB2-BD59-A6C34878D82A}">
-                    <a16:rowId xmlns:a16="http://schemas.microsoft.com/office/drawing/2014/main" xmlns="" val="10004"/>
+                    <a16:rowId xmlns="" xmlns:a16="http://schemas.microsoft.com/office/drawing/2014/main" val="10004"/>
                   </a:ext>
                 </a:extLst>
               </a:tr>
@@ -7645,21 +7770,21 @@
                 <a:gridCol w="824048">
                   <a:extLst>
                     <a:ext uri="{9D8B030D-6E8A-4147-A177-3AD203B41FA5}">
-                      <a16:colId xmlns:a16="http://schemas.microsoft.com/office/drawing/2014/main" xmlns="" val="20000"/>
+                      <a16:colId xmlns="" xmlns:a16="http://schemas.microsoft.com/office/drawing/2014/main" val="20000"/>
                     </a:ext>
                   </a:extLst>
                 </a:gridCol>
                 <a:gridCol w="2241780">
                   <a:extLst>
                     <a:ext uri="{9D8B030D-6E8A-4147-A177-3AD203B41FA5}">
-                      <a16:colId xmlns:a16="http://schemas.microsoft.com/office/drawing/2014/main" xmlns="" val="20001"/>
+                      <a16:colId xmlns="" xmlns:a16="http://schemas.microsoft.com/office/drawing/2014/main" val="20001"/>
                     </a:ext>
                   </a:extLst>
                 </a:gridCol>
                 <a:gridCol w="4820872">
                   <a:extLst>
                     <a:ext uri="{9D8B030D-6E8A-4147-A177-3AD203B41FA5}">
-                      <a16:colId xmlns:a16="http://schemas.microsoft.com/office/drawing/2014/main" xmlns="" val="20002"/>
+                      <a16:colId xmlns="" xmlns:a16="http://schemas.microsoft.com/office/drawing/2014/main" val="20002"/>
                     </a:ext>
                   </a:extLst>
                 </a:gridCol>
@@ -7874,7 +7999,7 @@
                 </a:tc>
                 <a:extLst>
                   <a:ext uri="{0D108BD9-81ED-4DB2-BD59-A6C34878D82A}">
-                    <a16:rowId xmlns:a16="http://schemas.microsoft.com/office/drawing/2014/main" xmlns="" val="10000"/>
+                    <a16:rowId xmlns="" xmlns:a16="http://schemas.microsoft.com/office/drawing/2014/main" val="10000"/>
                   </a:ext>
                 </a:extLst>
               </a:tr>
@@ -8202,7 +8327,7 @@
                 </a:tc>
                 <a:extLst>
                   <a:ext uri="{0D108BD9-81ED-4DB2-BD59-A6C34878D82A}">
-                    <a16:rowId xmlns:a16="http://schemas.microsoft.com/office/drawing/2014/main" xmlns="" val="10001"/>
+                    <a16:rowId xmlns="" xmlns:a16="http://schemas.microsoft.com/office/drawing/2014/main" val="10001"/>
                   </a:ext>
                 </a:extLst>
               </a:tr>
@@ -8433,7 +8558,7 @@
                 </a:tc>
                 <a:extLst>
                   <a:ext uri="{0D108BD9-81ED-4DB2-BD59-A6C34878D82A}">
-                    <a16:rowId xmlns:a16="http://schemas.microsoft.com/office/drawing/2014/main" xmlns="" val="10002"/>
+                    <a16:rowId xmlns="" xmlns:a16="http://schemas.microsoft.com/office/drawing/2014/main" val="10002"/>
                   </a:ext>
                 </a:extLst>
               </a:tr>
@@ -8664,7 +8789,7 @@
                 </a:tc>
                 <a:extLst>
                   <a:ext uri="{0D108BD9-81ED-4DB2-BD59-A6C34878D82A}">
-                    <a16:rowId xmlns:a16="http://schemas.microsoft.com/office/drawing/2014/main" xmlns="" val="10003"/>
+                    <a16:rowId xmlns="" xmlns:a16="http://schemas.microsoft.com/office/drawing/2014/main" val="10003"/>
                   </a:ext>
                 </a:extLst>
               </a:tr>
@@ -8895,7 +9020,7 @@
                 </a:tc>
                 <a:extLst>
                   <a:ext uri="{0D108BD9-81ED-4DB2-BD59-A6C34878D82A}">
-                    <a16:rowId xmlns:a16="http://schemas.microsoft.com/office/drawing/2014/main" xmlns="" val="10004"/>
+                    <a16:rowId xmlns="" xmlns:a16="http://schemas.microsoft.com/office/drawing/2014/main" val="10004"/>
                   </a:ext>
                 </a:extLst>
               </a:tr>
@@ -8983,21 +9108,21 @@
                 <a:gridCol w="812354">
                   <a:extLst>
                     <a:ext uri="{9D8B030D-6E8A-4147-A177-3AD203B41FA5}">
-                      <a16:colId xmlns:a16="http://schemas.microsoft.com/office/drawing/2014/main" xmlns="" val="20000"/>
+                      <a16:colId xmlns="" xmlns:a16="http://schemas.microsoft.com/office/drawing/2014/main" val="20000"/>
                     </a:ext>
                   </a:extLst>
                 </a:gridCol>
                 <a:gridCol w="2321890">
                   <a:extLst>
                     <a:ext uri="{9D8B030D-6E8A-4147-A177-3AD203B41FA5}">
-                      <a16:colId xmlns:a16="http://schemas.microsoft.com/office/drawing/2014/main" xmlns="" val="20001"/>
+                      <a16:colId xmlns="" xmlns:a16="http://schemas.microsoft.com/office/drawing/2014/main" val="20001"/>
                     </a:ext>
                   </a:extLst>
                 </a:gridCol>
                 <a:gridCol w="4752456">
                   <a:extLst>
                     <a:ext uri="{9D8B030D-6E8A-4147-A177-3AD203B41FA5}">
-                      <a16:colId xmlns:a16="http://schemas.microsoft.com/office/drawing/2014/main" xmlns="" val="20002"/>
+                      <a16:colId xmlns="" xmlns:a16="http://schemas.microsoft.com/office/drawing/2014/main" val="20002"/>
                     </a:ext>
                   </a:extLst>
                 </a:gridCol>
@@ -9212,7 +9337,7 @@
                 </a:tc>
                 <a:extLst>
                   <a:ext uri="{0D108BD9-81ED-4DB2-BD59-A6C34878D82A}">
-                    <a16:rowId xmlns:a16="http://schemas.microsoft.com/office/drawing/2014/main" xmlns="" val="10000"/>
+                    <a16:rowId xmlns="" xmlns:a16="http://schemas.microsoft.com/office/drawing/2014/main" val="10000"/>
                   </a:ext>
                 </a:extLst>
               </a:tr>
@@ -9421,7 +9546,7 @@
                 </a:tc>
                 <a:extLst>
                   <a:ext uri="{0D108BD9-81ED-4DB2-BD59-A6C34878D82A}">
-                    <a16:rowId xmlns:a16="http://schemas.microsoft.com/office/drawing/2014/main" xmlns="" val="10001"/>
+                    <a16:rowId xmlns="" xmlns:a16="http://schemas.microsoft.com/office/drawing/2014/main" val="10001"/>
                   </a:ext>
                 </a:extLst>
               </a:tr>
@@ -9630,7 +9755,7 @@
                 </a:tc>
                 <a:extLst>
                   <a:ext uri="{0D108BD9-81ED-4DB2-BD59-A6C34878D82A}">
-                    <a16:rowId xmlns:a16="http://schemas.microsoft.com/office/drawing/2014/main" xmlns="" val="10002"/>
+                    <a16:rowId xmlns="" xmlns:a16="http://schemas.microsoft.com/office/drawing/2014/main" val="10002"/>
                   </a:ext>
                 </a:extLst>
               </a:tr>
@@ -9839,7 +9964,7 @@
                 </a:tc>
                 <a:extLst>
                   <a:ext uri="{0D108BD9-81ED-4DB2-BD59-A6C34878D82A}">
-                    <a16:rowId xmlns:a16="http://schemas.microsoft.com/office/drawing/2014/main" xmlns="" val="10003"/>
+                    <a16:rowId xmlns="" xmlns:a16="http://schemas.microsoft.com/office/drawing/2014/main" val="10003"/>
                   </a:ext>
                 </a:extLst>
               </a:tr>
@@ -10145,7 +10270,7 @@
                 </a:tc>
                 <a:extLst>
                   <a:ext uri="{0D108BD9-81ED-4DB2-BD59-A6C34878D82A}">
-                    <a16:rowId xmlns:a16="http://schemas.microsoft.com/office/drawing/2014/main" xmlns="" val="10004"/>
+                    <a16:rowId xmlns="" xmlns:a16="http://schemas.microsoft.com/office/drawing/2014/main" val="10004"/>
                   </a:ext>
                 </a:extLst>
               </a:tr>
@@ -10542,7 +10667,7 @@
                 </a:tc>
                 <a:extLst>
                   <a:ext uri="{0D108BD9-81ED-4DB2-BD59-A6C34878D82A}">
-                    <a16:rowId xmlns:a16="http://schemas.microsoft.com/office/drawing/2014/main" xmlns="" val="10005"/>
+                    <a16:rowId xmlns="" xmlns:a16="http://schemas.microsoft.com/office/drawing/2014/main" val="10005"/>
                   </a:ext>
                 </a:extLst>
               </a:tr>
@@ -10837,7 +10962,7 @@
                 </a:tc>
                 <a:extLst>
                   <a:ext uri="{0D108BD9-81ED-4DB2-BD59-A6C34878D82A}">
-                    <a16:rowId xmlns:a16="http://schemas.microsoft.com/office/drawing/2014/main" xmlns="" val="10006"/>
+                    <a16:rowId xmlns="" xmlns:a16="http://schemas.microsoft.com/office/drawing/2014/main" val="10006"/>
                   </a:ext>
                 </a:extLst>
               </a:tr>

--- a/객체UML/11_객체UML(시퀀스).pptx
+++ b/객체UML/11_객체UML(시퀀스).pptx
@@ -5826,11 +5826,7 @@
             </a:r>
             <a:r>
               <a:rPr lang="ko-KR" altLang="en-US" dirty="0" smtClean="0"/>
-              <a:t> 다이어그램으로 그려진 것은 시퀀스 다이어그램으로 </a:t>
-            </a:r>
-            <a:r>
-              <a:rPr lang="ko-KR" altLang="en-US" smtClean="0"/>
-              <a:t>그릴 수 있다</a:t>
+              <a:t> 다이어그램으로 그려진 것은 시퀀스 다이어그램으로 그릴 수 있다</a:t>
             </a:r>
             <a:r>
               <a:rPr lang="en-US" altLang="ko-KR" dirty="0" smtClean="0"/>
@@ -5982,25 +5978,6 @@
       </p:sp>
       <p:sp>
         <p:nvSpPr>
-          <p:cNvPr id="3" name="내용 개체 틀 2"/>
-          <p:cNvSpPr>
-            <a:spLocks noGrp="1"/>
-          </p:cNvSpPr>
-          <p:nvPr>
-            <p:ph idx="1"/>
-          </p:nvPr>
-        </p:nvSpPr>
-        <p:spPr/>
-        <p:txBody>
-          <a:bodyPr/>
-          <a:lstStyle/>
-          <a:p>
-            <a:endParaRPr lang="en-US" altLang="ko-KR" dirty="0" smtClean="0"/>
-          </a:p>
-        </p:txBody>
-      </p:sp>
-      <p:sp>
-        <p:nvSpPr>
           <p:cNvPr id="4" name="슬라이드 번호 개체 틀 3"/>
           <p:cNvSpPr>
             <a:spLocks noGrp="1"/>
@@ -6045,8 +6022,8 @@
         </p:blipFill>
         <p:spPr bwMode="auto">
           <a:xfrm>
-            <a:off x="1213338" y="927470"/>
-            <a:ext cx="6246345" cy="5747967"/>
+            <a:off x="1369182" y="873681"/>
+            <a:ext cx="6405635" cy="5894548"/>
           </a:xfrm>
           <a:prstGeom prst="rect">
             <a:avLst/>
@@ -6715,7 +6692,7 @@
                     <a:p>
                       <a:pPr fontAlgn="t"/>
                       <a:r>
-                        <a:rPr lang="ko-KR" altLang="en-US" sz="1400">
+                        <a:rPr lang="ko-KR" altLang="en-US" sz="1400" dirty="0">
                           <a:solidFill>
                             <a:srgbClr val="2A2A2A"/>
                           </a:solidFill>
@@ -6726,7 +6703,7 @@
                         <a:t>시간이 줄 아래로 진행되는 동안 상호 작용 중에 참가자에게 발생하는 이벤트 시퀀스를 나타내는 세로줄입니다</a:t>
                       </a:r>
                       <a:r>
-                        <a:rPr lang="en-US" altLang="ko-KR" sz="1400">
+                        <a:rPr lang="en-US" altLang="ko-KR" sz="1400" dirty="0">
                           <a:solidFill>
                             <a:srgbClr val="2A2A2A"/>
                           </a:solidFill>
@@ -6737,7 +6714,7 @@
                         <a:t>. </a:t>
                       </a:r>
                       <a:r>
-                        <a:rPr lang="ko-KR" altLang="en-US" sz="1400">
+                        <a:rPr lang="ko-KR" altLang="en-US" sz="1400" dirty="0">
                           <a:solidFill>
                             <a:srgbClr val="2A2A2A"/>
                           </a:solidFill>
@@ -6748,7 +6725,7 @@
                         <a:t>이 참가자는 클래스</a:t>
                       </a:r>
                       <a:r>
-                        <a:rPr lang="en-US" altLang="ko-KR" sz="1400">
+                        <a:rPr lang="en-US" altLang="ko-KR" sz="1400" dirty="0">
                           <a:solidFill>
                             <a:srgbClr val="2A2A2A"/>
                           </a:solidFill>
@@ -6759,18 +6736,40 @@
                         <a:t>, </a:t>
                       </a:r>
                       <a:r>
-                        <a:rPr lang="ko-KR" altLang="en-US" sz="1400">
-                          <a:solidFill>
-                            <a:srgbClr val="2A2A2A"/>
-                          </a:solidFill>
-                          <a:effectLst/>
-                          <a:latin typeface="Malgun Gothic" panose="020B0503020000020004" pitchFamily="50" charset="-127"/>
-                          <a:ea typeface="Malgun Gothic" panose="020B0503020000020004" pitchFamily="50" charset="-127"/>
-                        </a:rPr>
-                        <a:t>구성 요소 또는 행위자 인스턴스일 수 있습니다</a:t>
-                      </a:r>
-                      <a:r>
-                        <a:rPr lang="en-US" altLang="ko-KR" sz="1400">
+                        <a:rPr lang="ko-KR" altLang="en-US" sz="1400" dirty="0">
+                          <a:solidFill>
+                            <a:srgbClr val="2A2A2A"/>
+                          </a:solidFill>
+                          <a:effectLst/>
+                          <a:latin typeface="Malgun Gothic" panose="020B0503020000020004" pitchFamily="50" charset="-127"/>
+                          <a:ea typeface="Malgun Gothic" panose="020B0503020000020004" pitchFamily="50" charset="-127"/>
+                        </a:rPr>
+                        <a:t>구성 요소 또는 행위자 </a:t>
+                      </a:r>
+                      <a:r>
+                        <a:rPr lang="ko-KR" altLang="en-US" sz="1400" dirty="0" err="1">
+                          <a:solidFill>
+                            <a:srgbClr val="2A2A2A"/>
+                          </a:solidFill>
+                          <a:effectLst/>
+                          <a:latin typeface="Malgun Gothic" panose="020B0503020000020004" pitchFamily="50" charset="-127"/>
+                          <a:ea typeface="Malgun Gothic" panose="020B0503020000020004" pitchFamily="50" charset="-127"/>
+                        </a:rPr>
+                        <a:t>인스턴스일</a:t>
+                      </a:r>
+                      <a:r>
+                        <a:rPr lang="ko-KR" altLang="en-US" sz="1400" dirty="0">
+                          <a:solidFill>
+                            <a:srgbClr val="2A2A2A"/>
+                          </a:solidFill>
+                          <a:effectLst/>
+                          <a:latin typeface="Malgun Gothic" panose="020B0503020000020004" pitchFamily="50" charset="-127"/>
+                          <a:ea typeface="Malgun Gothic" panose="020B0503020000020004" pitchFamily="50" charset="-127"/>
+                        </a:rPr>
+                        <a:t> 수 있습니다</a:t>
+                      </a:r>
+                      <a:r>
+                        <a:rPr lang="en-US" altLang="ko-KR" sz="1400" dirty="0">
                           <a:solidFill>
                             <a:srgbClr val="2A2A2A"/>
                           </a:solidFill>
